--- a/SIMON SINEK.pptx
+++ b/SIMON SINEK.pptx
@@ -222,6 +222,7 @@
           <a:p>
             <a:fld id="{D7B859A7-1251-425E-9738-34DEB055C3A6}" type="datetimeFigureOut">
               <a:rPr lang="en-US" smtClean="0"/>
+              <a:pPr/>
               <a:t>3/14/2019</a:t>
             </a:fld>
             <a:endParaRPr lang="en-US"/>
@@ -264,6 +265,7 @@
           <a:p>
             <a:fld id="{DBF2C88E-6D79-4081-A295-211B1FCC80BD}" type="slidenum">
               <a:rPr lang="en-US" smtClean="0"/>
+              <a:pPr/>
               <a:t>‹#›</a:t>
             </a:fld>
             <a:endParaRPr lang="en-US"/>
@@ -451,6 +453,7 @@
           <a:p>
             <a:fld id="{D7B859A7-1251-425E-9738-34DEB055C3A6}" type="datetimeFigureOut">
               <a:rPr lang="en-US" smtClean="0"/>
+              <a:pPr/>
               <a:t>3/14/2019</a:t>
             </a:fld>
             <a:endParaRPr lang="en-US"/>
@@ -493,6 +496,7 @@
           <a:p>
             <a:fld id="{DBF2C88E-6D79-4081-A295-211B1FCC80BD}" type="slidenum">
               <a:rPr lang="en-US" smtClean="0"/>
+              <a:pPr/>
               <a:t>‹#›</a:t>
             </a:fld>
             <a:endParaRPr lang="en-US"/>
@@ -629,6 +633,7 @@
           <a:p>
             <a:fld id="{D7B859A7-1251-425E-9738-34DEB055C3A6}" type="datetimeFigureOut">
               <a:rPr lang="en-US" smtClean="0"/>
+              <a:pPr/>
               <a:t>3/14/2019</a:t>
             </a:fld>
             <a:endParaRPr lang="en-US"/>
@@ -671,6 +676,7 @@
           <a:p>
             <a:fld id="{DBF2C88E-6D79-4081-A295-211B1FCC80BD}" type="slidenum">
               <a:rPr lang="en-US" smtClean="0"/>
+              <a:pPr/>
               <a:t>‹#›</a:t>
             </a:fld>
             <a:endParaRPr lang="en-US"/>
@@ -797,6 +803,7 @@
           <a:p>
             <a:fld id="{D7B859A7-1251-425E-9738-34DEB055C3A6}" type="datetimeFigureOut">
               <a:rPr lang="en-US" smtClean="0"/>
+              <a:pPr/>
               <a:t>3/14/2019</a:t>
             </a:fld>
             <a:endParaRPr lang="en-US"/>
@@ -839,6 +846,7 @@
           <a:p>
             <a:fld id="{DBF2C88E-6D79-4081-A295-211B1FCC80BD}" type="slidenum">
               <a:rPr lang="en-US" smtClean="0"/>
+              <a:pPr/>
               <a:t>‹#›</a:t>
             </a:fld>
             <a:endParaRPr lang="en-US"/>
@@ -1044,6 +1052,7 @@
           <a:p>
             <a:fld id="{D7B859A7-1251-425E-9738-34DEB055C3A6}" type="datetimeFigureOut">
               <a:rPr lang="en-US" smtClean="0"/>
+              <a:pPr/>
               <a:t>3/14/2019</a:t>
             </a:fld>
             <a:endParaRPr lang="en-US"/>
@@ -1091,6 +1100,7 @@
           <a:p>
             <a:fld id="{DBF2C88E-6D79-4081-A295-211B1FCC80BD}" type="slidenum">
               <a:rPr lang="en-US" smtClean="0"/>
+              <a:pPr/>
               <a:t>‹#›</a:t>
             </a:fld>
             <a:endParaRPr lang="en-US"/>
@@ -1311,6 +1321,7 @@
           <a:p>
             <a:fld id="{D7B859A7-1251-425E-9738-34DEB055C3A6}" type="datetimeFigureOut">
               <a:rPr lang="en-US" smtClean="0"/>
+              <a:pPr/>
               <a:t>3/14/2019</a:t>
             </a:fld>
             <a:endParaRPr lang="en-US"/>
@@ -1353,6 +1364,7 @@
           <a:p>
             <a:fld id="{DBF2C88E-6D79-4081-A295-211B1FCC80BD}" type="slidenum">
               <a:rPr lang="en-US" smtClean="0"/>
+              <a:pPr/>
               <a:t>‹#›</a:t>
             </a:fld>
             <a:endParaRPr lang="en-US"/>
@@ -1688,6 +1700,7 @@
           <a:p>
             <a:fld id="{D7B859A7-1251-425E-9738-34DEB055C3A6}" type="datetimeFigureOut">
               <a:rPr lang="en-US" smtClean="0"/>
+              <a:pPr/>
               <a:t>3/14/2019</a:t>
             </a:fld>
             <a:endParaRPr lang="en-US"/>
@@ -1730,6 +1743,7 @@
           <a:p>
             <a:fld id="{DBF2C88E-6D79-4081-A295-211B1FCC80BD}" type="slidenum">
               <a:rPr lang="en-US" smtClean="0"/>
+              <a:pPr/>
               <a:t>‹#›</a:t>
             </a:fld>
             <a:endParaRPr lang="en-US"/>
@@ -1804,6 +1818,7 @@
           <a:p>
             <a:fld id="{D7B859A7-1251-425E-9738-34DEB055C3A6}" type="datetimeFigureOut">
               <a:rPr lang="en-US" smtClean="0"/>
+              <a:pPr/>
               <a:t>3/14/2019</a:t>
             </a:fld>
             <a:endParaRPr lang="en-US"/>
@@ -1846,6 +1861,7 @@
           <a:p>
             <a:fld id="{DBF2C88E-6D79-4081-A295-211B1FCC80BD}" type="slidenum">
               <a:rPr lang="en-US" smtClean="0"/>
+              <a:pPr/>
               <a:t>‹#›</a:t>
             </a:fld>
             <a:endParaRPr lang="en-US"/>
@@ -1897,6 +1913,7 @@
           <a:p>
             <a:fld id="{D7B859A7-1251-425E-9738-34DEB055C3A6}" type="datetimeFigureOut">
               <a:rPr lang="en-US" smtClean="0"/>
+              <a:pPr/>
               <a:t>3/14/2019</a:t>
             </a:fld>
             <a:endParaRPr lang="en-US"/>
@@ -1939,6 +1956,7 @@
           <a:p>
             <a:fld id="{DBF2C88E-6D79-4081-A295-211B1FCC80BD}" type="slidenum">
               <a:rPr lang="en-US" smtClean="0"/>
+              <a:pPr/>
               <a:t>‹#›</a:t>
             </a:fld>
             <a:endParaRPr lang="en-US"/>
@@ -2158,6 +2176,7 @@
           <a:p>
             <a:fld id="{D7B859A7-1251-425E-9738-34DEB055C3A6}" type="datetimeFigureOut">
               <a:rPr lang="en-US" smtClean="0"/>
+              <a:pPr/>
               <a:t>3/14/2019</a:t>
             </a:fld>
             <a:endParaRPr lang="en-US"/>
@@ -2200,6 +2219,7 @@
           <a:p>
             <a:fld id="{DBF2C88E-6D79-4081-A295-211B1FCC80BD}" type="slidenum">
               <a:rPr lang="en-US" smtClean="0"/>
+              <a:pPr/>
               <a:t>‹#›</a:t>
             </a:fld>
             <a:endParaRPr lang="en-US"/>
@@ -2425,6 +2445,7 @@
           <a:p>
             <a:fld id="{D7B859A7-1251-425E-9738-34DEB055C3A6}" type="datetimeFigureOut">
               <a:rPr lang="en-US" smtClean="0"/>
+              <a:pPr/>
               <a:t>3/14/2019</a:t>
             </a:fld>
             <a:endParaRPr lang="en-US"/>
@@ -2467,6 +2488,7 @@
           <a:p>
             <a:fld id="{DBF2C88E-6D79-4081-A295-211B1FCC80BD}" type="slidenum">
               <a:rPr lang="en-US" smtClean="0"/>
+              <a:pPr/>
               <a:t>‹#›</a:t>
             </a:fld>
             <a:endParaRPr lang="en-US"/>
@@ -2645,6 +2667,7 @@
           <a:p>
             <a:fld id="{D7B859A7-1251-425E-9738-34DEB055C3A6}" type="datetimeFigureOut">
               <a:rPr lang="en-US" smtClean="0"/>
+              <a:pPr/>
               <a:t>3/14/2019</a:t>
             </a:fld>
             <a:endParaRPr lang="en-US"/>
@@ -2723,6 +2746,7 @@
           <a:p>
             <a:fld id="{DBF2C88E-6D79-4081-A295-211B1FCC80BD}" type="slidenum">
               <a:rPr lang="en-US" smtClean="0"/>
+              <a:pPr/>
               <a:t>‹#›</a:t>
             </a:fld>
             <a:endParaRPr lang="en-US"/>
